--- a/Apresentação_Final.pptx
+++ b/Apresentação_Final.pptx
@@ -133,6 +133,7 @@
   <p1510:revLst>
     <p1510:client id="{43CC3B09-2ACC-E340-857D-C494E0907AB0}" v="512" dt="2022-09-11T03:11:05.628"/>
     <p1510:client id="{518AEE3D-2DC9-4CEB-8E99-CD28D9F1371A}" v="26" dt="2022-09-10T18:21:49.306"/>
+    <p1510:client id="{96417DF0-9380-8965-C821-EB3E37D27A60}" v="14" dt="2022-09-11T22:59:25.581"/>
   </p1510:revLst>
 </p1510:revInfo>
 </file>
@@ -233,7 +234,7 @@
             <a:pPr rtl="0"/>
             <a:fld id="{47348129-1D48-4BC0-A8DB-DE2F4BBEA824}" type="datetime1">
               <a:rPr lang="pt-BR" smtClean="0"/>
-              <a:t>10/09/2022</a:t>
+              <a:t>11/09/2022</a:t>
             </a:fld>
             <a:endParaRPr lang="pt-BR"/>
           </a:p>
@@ -415,7 +416,7 @@
             <a:pPr rtl="0"/>
             <a:fld id="{24C4A0FF-11C3-4916-A589-DFB00A47FD91}" type="datetime1">
               <a:rPr lang="pt-BR" noProof="0" smtClean="0"/>
-              <a:t>10/09/2022</a:t>
+              <a:t>11/09/2022</a:t>
             </a:fld>
             <a:endParaRPr lang="pt-BR" noProof="0"/>
           </a:p>
@@ -990,7 +991,7 @@
             <a:pPr rtl="0"/>
             <a:fld id="{E9AEFBC9-BE4F-4240-8DE6-BB880A22E598}" type="datetime1">
               <a:rPr lang="pt-BR" noProof="0" smtClean="0"/>
-              <a:t>10/09/2022</a:t>
+              <a:t>11/09/2022</a:t>
             </a:fld>
             <a:endParaRPr lang="pt-BR" noProof="0"/>
           </a:p>
@@ -1327,7 +1328,7 @@
             <a:pPr rtl="0"/>
             <a:fld id="{6552FB93-F23D-466B-92AF-BE5BBA0A5B60}" type="datetime1">
               <a:rPr lang="pt-BR" noProof="0" smtClean="0"/>
-              <a:t>10/09/2022</a:t>
+              <a:t>11/09/2022</a:t>
             </a:fld>
             <a:endParaRPr lang="pt-BR" noProof="0"/>
           </a:p>
@@ -1632,7 +1633,7 @@
             <a:pPr rtl="0"/>
             <a:fld id="{691587AB-9ACC-4255-A2DE-6A0630799EB5}" type="datetime1">
               <a:rPr lang="pt-BR" noProof="0" smtClean="0"/>
-              <a:t>10/09/2022</a:t>
+              <a:t>11/09/2022</a:t>
             </a:fld>
             <a:endParaRPr lang="pt-BR" noProof="0"/>
           </a:p>
@@ -1882,7 +1883,7 @@
             <a:pPr rtl="0"/>
             <a:fld id="{D540C652-E635-40FE-8D0C-879215DFFF1F}" type="datetime1">
               <a:rPr lang="pt-BR" noProof="0" smtClean="0"/>
-              <a:t>10/09/2022</a:t>
+              <a:t>11/09/2022</a:t>
             </a:fld>
             <a:endParaRPr lang="pt-BR" noProof="0"/>
           </a:p>
@@ -2293,7 +2294,7 @@
             <a:pPr rtl="0"/>
             <a:fld id="{75B0F1A7-3442-4B0B-9754-37BAABCD223C}" type="datetime1">
               <a:rPr lang="pt-BR" noProof="0" smtClean="0"/>
-              <a:t>10/09/2022</a:t>
+              <a:t>11/09/2022</a:t>
             </a:fld>
             <a:endParaRPr lang="pt-BR" noProof="0"/>
           </a:p>
@@ -2609,7 +2610,7 @@
             <a:pPr rtl="0"/>
             <a:fld id="{F9078659-7F18-4C2E-B295-290CB48AAF56}" type="datetime1">
               <a:rPr lang="pt-BR" noProof="0" smtClean="0"/>
-              <a:t>10/09/2022</a:t>
+              <a:t>11/09/2022</a:t>
             </a:fld>
             <a:endParaRPr lang="pt-BR" noProof="0"/>
           </a:p>
@@ -3155,7 +3156,7 @@
             <a:pPr rtl="0"/>
             <a:fld id="{8F515F40-481E-43A2-ACEB-0CEBCD8638BB}" type="datetime1">
               <a:rPr lang="pt-BR" noProof="0" smtClean="0"/>
-              <a:t>10/09/2022</a:t>
+              <a:t>11/09/2022</a:t>
             </a:fld>
             <a:endParaRPr lang="pt-BR" noProof="0"/>
           </a:p>
@@ -3354,7 +3355,7 @@
             <a:pPr rtl="0"/>
             <a:fld id="{3A1D4100-1199-4D13-A75F-635F0B7C0AE1}" type="datetime1">
               <a:rPr lang="pt-BR" noProof="0" smtClean="0"/>
-              <a:t>10/09/2022</a:t>
+              <a:t>11/09/2022</a:t>
             </a:fld>
             <a:endParaRPr lang="pt-BR" noProof="0"/>
           </a:p>
@@ -3571,7 +3572,7 @@
             <a:pPr rtl="0"/>
             <a:fld id="{7F8DB914-6F66-4B9D-8EE6-F09DD59AAB81}" type="datetime1">
               <a:rPr lang="pt-BR" noProof="0" smtClean="0"/>
-              <a:t>10/09/2022</a:t>
+              <a:t>11/09/2022</a:t>
             </a:fld>
             <a:endParaRPr lang="pt-BR" noProof="0"/>
           </a:p>
@@ -3943,7 +3944,7 @@
             <a:pPr rtl="0"/>
             <a:fld id="{E24E5945-5769-4F4A-8C03-D8DA61A98BD3}" type="datetime1">
               <a:rPr lang="pt-BR" noProof="0" smtClean="0"/>
-              <a:t>10/09/2022</a:t>
+              <a:t>11/09/2022</a:t>
             </a:fld>
             <a:endParaRPr lang="pt-BR" noProof="0"/>
           </a:p>
@@ -4350,7 +4351,7 @@
             <a:pPr rtl="0"/>
             <a:fld id="{EEE9D9A7-4F91-49A4-8591-098C9D8EA2CE}" type="datetime1">
               <a:rPr lang="pt-BR" noProof="0" smtClean="0"/>
-              <a:t>10/09/2022</a:t>
+              <a:t>11/09/2022</a:t>
             </a:fld>
             <a:endParaRPr lang="pt-BR" noProof="0"/>
           </a:p>
@@ -4692,7 +4693,7 @@
             <a:pPr rtl="0"/>
             <a:fld id="{494151F0-A13D-470E-BA22-7EFE7C89ACED}" type="datetime1">
               <a:rPr lang="pt-BR" noProof="0" smtClean="0"/>
-              <a:t>10/09/2022</a:t>
+              <a:t>11/09/2022</a:t>
             </a:fld>
             <a:endParaRPr lang="pt-BR" noProof="0" dirty="0"/>
           </a:p>
@@ -5396,6 +5397,80 @@
               <a:t>Helder Lourenço de Abreu Marques</a:t>
             </a:r>
             <a:endParaRPr lang="pt-BR" dirty="0"/>
+          </a:p>
+        </p:txBody>
+      </p:sp>
+      <p:pic>
+        <p:nvPicPr>
+          <p:cNvPr id="3" name="Imagem 3" descr="Homem de barba posando para foto&#10;&#10;Descrição gerada automaticamente">
+            <a:extLst>
+              <a:ext uri="{FF2B5EF4-FFF2-40B4-BE49-F238E27FC236}">
+                <a16:creationId xmlns:a16="http://schemas.microsoft.com/office/drawing/2014/main" id="{57B0E83A-6ED7-6DE1-1D8C-4129CC45C29E}"/>
+              </a:ext>
+            </a:extLst>
+          </p:cNvPr>
+          <p:cNvPicPr>
+            <a:picLocks noChangeAspect="1"/>
+          </p:cNvPicPr>
+          <p:nvPr/>
+        </p:nvPicPr>
+        <p:blipFill>
+          <a:blip r:embed="rId3"/>
+          <a:stretch>
+            <a:fillRect/>
+          </a:stretch>
+        </p:blipFill>
+        <p:spPr>
+          <a:xfrm>
+            <a:off x="7347525" y="1825281"/>
+            <a:ext cx="2743200" cy="3197524"/>
+          </a:xfrm>
+          <a:prstGeom prst="rect">
+            <a:avLst/>
+          </a:prstGeom>
+        </p:spPr>
+      </p:pic>
+      <p:sp>
+        <p:nvSpPr>
+          <p:cNvPr id="4" name="CaixaDeTexto 3">
+            <a:extLst>
+              <a:ext uri="{FF2B5EF4-FFF2-40B4-BE49-F238E27FC236}">
+                <a16:creationId xmlns:a16="http://schemas.microsoft.com/office/drawing/2014/main" id="{B091EFB7-6C0B-D94F-4BD3-BA7EB2C15A7D}"/>
+              </a:ext>
+            </a:extLst>
+          </p:cNvPr>
+          <p:cNvSpPr txBox="1"/>
+          <p:nvPr/>
+        </p:nvSpPr>
+        <p:spPr>
+          <a:xfrm>
+            <a:off x="7129891" y="5229524"/>
+            <a:ext cx="3689050" cy="369332"/>
+          </a:xfrm>
+          <a:prstGeom prst="rect">
+            <a:avLst/>
+          </a:prstGeom>
+          <a:noFill/>
+        </p:spPr>
+        <p:txBody>
+          <a:bodyPr rot="0" spcFirstLastPara="0" vertOverflow="overflow" horzOverflow="overflow" vert="horz" wrap="square" lIns="91440" tIns="45720" rIns="91440" bIns="45720" numCol="1" spcCol="0" rtlCol="0" fromWordArt="0" anchor="t" anchorCtr="0" forceAA="0" compatLnSpc="1">
+            <a:prstTxWarp prst="textNoShape">
+              <a:avLst/>
+            </a:prstTxWarp>
+            <a:spAutoFit/>
+          </a:bodyPr>
+          <a:lstStyle/>
+          <a:p>
+            <a:pPr algn="l"/>
+            <a:r>
+              <a:rPr lang="pt-BR">
+                <a:latin typeface="Arial"/>
+                <a:ea typeface="Arial"/>
+                <a:cs typeface="Arial"/>
+              </a:rPr>
+              <a:t>Israel Thalles Dutra dos Santos</a:t>
+            </a:r>
+            <a:endParaRPr lang="pt-BR"/>
           </a:p>
         </p:txBody>
       </p:sp>
@@ -7811,15 +7886,6 @@
 </file>
 
 <file path=customXml/item1.xml><?xml version="1.0" encoding="utf-8"?>
-<?mso-contentType ?>
-<FormTemplates xmlns="http://schemas.microsoft.com/sharepoint/v3/contenttype/forms">
-  <Display>DocumentLibraryForm</Display>
-  <Edit>DocumentLibraryForm</Edit>
-  <New>DocumentLibraryForm</New>
-</FormTemplates>
-</file>
-
-<file path=customXml/item2.xml><?xml version="1.0" encoding="utf-8"?>
 <p:properties xmlns:p="http://schemas.microsoft.com/office/2006/metadata/properties" xmlns:xsi="http://www.w3.org/2001/XMLSchema-instance" xmlns:pc="http://schemas.microsoft.com/office/infopath/2007/PartnerControls">
   <documentManagement>
     <_ip_UnifiedCompliancePolicyUIAction xmlns="http://schemas.microsoft.com/sharepoint/v3" xsi:nil="true"/>
@@ -7836,6 +7902,15 @@
     <MediaServiceKeyPoints xmlns="71af3243-3dd4-4a8d-8c0d-dd76da1f02a5" xsi:nil="true"/>
   </documentManagement>
 </p:properties>
+</file>
+
+<file path=customXml/item2.xml><?xml version="1.0" encoding="utf-8"?>
+<?mso-contentType ?>
+<FormTemplates xmlns="http://schemas.microsoft.com/sharepoint/v3/contenttype/forms">
+  <Display>DocumentLibraryForm</Display>
+  <Edit>DocumentLibraryForm</Edit>
+  <New>DocumentLibraryForm</New>
+</FormTemplates>
 </file>
 
 <file path=customXml/item3.xml><?xml version="1.0" encoding="utf-8"?>
@@ -8115,14 +8190,6 @@
 </file>
 
 <file path=customXml/itemProps1.xml><?xml version="1.0" encoding="utf-8"?>
-<ds:datastoreItem xmlns:ds="http://schemas.openxmlformats.org/officeDocument/2006/customXml" ds:itemID="{350455F8-10A0-4EEF-9BB1-9035E295B165}">
-  <ds:schemaRefs>
-    <ds:schemaRef ds:uri="http://schemas.microsoft.com/sharepoint/v3/contenttype/forms"/>
-  </ds:schemaRefs>
-</ds:datastoreItem>
-</file>
-
-<file path=customXml/itemProps2.xml><?xml version="1.0" encoding="utf-8"?>
 <ds:datastoreItem xmlns:ds="http://schemas.openxmlformats.org/officeDocument/2006/customXml" ds:itemID="{79B0F2AC-8567-4D03-BFFC-653DB596C528}">
   <ds:schemaRefs>
     <ds:schemaRef ds:uri="http://schemas.microsoft.com/office/2006/metadata/properties"/>
@@ -8130,6 +8197,14 @@
     <ds:schemaRef ds:uri="http://schemas.microsoft.com/sharepoint/v3"/>
     <ds:schemaRef ds:uri="71af3243-3dd4-4a8d-8c0d-dd76da1f02a5"/>
     <ds:schemaRef ds:uri="230e9df3-be65-4c73-a93b-d1236ebd677e"/>
+  </ds:schemaRefs>
+</ds:datastoreItem>
+</file>
+
+<file path=customXml/itemProps2.xml><?xml version="1.0" encoding="utf-8"?>
+<ds:datastoreItem xmlns:ds="http://schemas.openxmlformats.org/officeDocument/2006/customXml" ds:itemID="{350455F8-10A0-4EEF-9BB1-9035E295B165}">
+  <ds:schemaRefs>
+    <ds:schemaRef ds:uri="http://schemas.microsoft.com/sharepoint/v3/contenttype/forms"/>
   </ds:schemaRefs>
 </ds:datastoreItem>
 </file>
